--- a/GGJ_beta/Assets/owner/NUMAZAKI/チーム「β」企画プレゼン.pptx
+++ b/GGJ_beta/Assets/owner/NUMAZAKI/チーム「β」企画プレゼン.pptx
@@ -4689,180 +4689,6 @@
       </p:pic>
       <p:sp>
         <p:nvSpPr>
-          <p:cNvPr id="2" name="タイトル 1"/>
-          <p:cNvSpPr>
-            <a:spLocks noGrp="1"/>
-          </p:cNvSpPr>
-          <p:nvPr>
-            <p:ph type="ctrTitle"/>
-          </p:nvPr>
-        </p:nvSpPr>
-        <p:spPr/>
-        <p:txBody>
-          <a:bodyPr>
-            <a:normAutofit/>
-          </a:bodyPr>
-          <a:lstStyle/>
-          <a:p>
-            <a:r>
-              <a:rPr lang="en-US" altLang="ja-JP" b="1" dirty="0">
-                <a:ln>
-                  <a:solidFill>
-                    <a:schemeClr val="tx1"/>
-                  </a:solidFill>
-                </a:ln>
-                <a:solidFill>
-                  <a:schemeClr val="bg1"/>
-                </a:solidFill>
-              </a:rPr>
-              <a:t>Betta</a:t>
-            </a:r>
-            <a:r>
-              <a:rPr lang="ja-JP" altLang="en-US" b="1" dirty="0">
-                <a:ln>
-                  <a:solidFill>
-                    <a:schemeClr val="tx1"/>
-                  </a:solidFill>
-                </a:ln>
-                <a:solidFill>
-                  <a:schemeClr val="bg1"/>
-                </a:solidFill>
-              </a:rPr>
-              <a:t> </a:t>
-            </a:r>
-            <a:r>
-              <a:rPr lang="en-US" altLang="ja-JP" b="1" dirty="0">
-                <a:ln>
-                  <a:solidFill>
-                    <a:schemeClr val="tx1"/>
-                  </a:solidFill>
-                </a:ln>
-                <a:solidFill>
-                  <a:schemeClr val="bg1"/>
-                </a:solidFill>
-              </a:rPr>
-              <a:t>Fighter</a:t>
-            </a:r>
-            <a:r>
-              <a:rPr lang="ja-JP" altLang="en-US" b="1" dirty="0">
-                <a:ln>
-                  <a:solidFill>
-                    <a:schemeClr val="tx1"/>
-                  </a:solidFill>
-                </a:ln>
-                <a:solidFill>
-                  <a:schemeClr val="bg1"/>
-                </a:solidFill>
-              </a:rPr>
-              <a:t> </a:t>
-            </a:r>
-            <a:r>
-              <a:rPr lang="en-US" altLang="ja-JP" b="1" dirty="0">
-                <a:ln>
-                  <a:solidFill>
-                    <a:schemeClr val="tx1"/>
-                  </a:solidFill>
-                </a:ln>
-                <a:solidFill>
-                  <a:schemeClr val="bg1"/>
-                </a:solidFill>
-              </a:rPr>
-              <a:t>Ⅱ</a:t>
-            </a:r>
-            <a:r>
-              <a:rPr lang="en-US" altLang="ja-JP" b="1" dirty="0" smtClean="0">
-                <a:ln>
-                  <a:solidFill>
-                    <a:schemeClr val="tx1"/>
-                  </a:solidFill>
-                </a:ln>
-                <a:solidFill>
-                  <a:schemeClr val="bg1"/>
-                </a:solidFill>
-              </a:rPr>
-              <a:t>’</a:t>
-            </a:r>
-            <a:br>
-              <a:rPr lang="en-US" altLang="ja-JP" b="1" dirty="0" smtClean="0">
-                <a:ln>
-                  <a:solidFill>
-                    <a:schemeClr val="tx1"/>
-                  </a:solidFill>
-                </a:ln>
-                <a:solidFill>
-                  <a:schemeClr val="bg1"/>
-                </a:solidFill>
-              </a:rPr>
-            </a:br>
-            <a:r>
-              <a:rPr lang="en-US" altLang="ja-JP" b="1" dirty="0">
-                <a:ln>
-                  <a:solidFill>
-                    <a:schemeClr val="tx1"/>
-                  </a:solidFill>
-                </a:ln>
-                <a:solidFill>
-                  <a:schemeClr val="bg1"/>
-                </a:solidFill>
-              </a:rPr>
-              <a:t>#6</a:t>
-            </a:r>
-            <a:r>
-              <a:rPr kumimoji="1" lang="ja-JP" altLang="en-US" b="1" dirty="0" smtClean="0">
-                <a:ln>
-                  <a:solidFill>
-                    <a:schemeClr val="tx1"/>
-                  </a:solidFill>
-                </a:ln>
-                <a:solidFill>
-                  <a:schemeClr val="bg1"/>
-                </a:solidFill>
-              </a:rPr>
-              <a:t>チーム「</a:t>
-            </a:r>
-            <a:r>
-              <a:rPr kumimoji="1" lang="en-US" altLang="ja-JP" b="1" dirty="0" smtClean="0">
-                <a:ln>
-                  <a:solidFill>
-                    <a:schemeClr val="tx1"/>
-                  </a:solidFill>
-                </a:ln>
-                <a:solidFill>
-                  <a:schemeClr val="bg1"/>
-                </a:solidFill>
-                <a:latin typeface="HGPｺﾞｼｯｸE" panose="020B0900000000000000" pitchFamily="50" charset="-128"/>
-                <a:ea typeface="HGPｺﾞｼｯｸE" panose="020B0900000000000000" pitchFamily="50" charset="-128"/>
-              </a:rPr>
-              <a:t>β</a:t>
-            </a:r>
-            <a:r>
-              <a:rPr kumimoji="1" lang="ja-JP" altLang="en-US" b="1" dirty="0" smtClean="0">
-                <a:ln>
-                  <a:solidFill>
-                    <a:schemeClr val="tx1"/>
-                  </a:solidFill>
-                </a:ln>
-                <a:solidFill>
-                  <a:schemeClr val="bg1"/>
-                </a:solidFill>
-              </a:rPr>
-              <a:t>」</a:t>
-            </a:r>
-            <a:endParaRPr kumimoji="1" lang="ja-JP" altLang="en-US" b="1" dirty="0">
-              <a:ln>
-                <a:solidFill>
-                  <a:schemeClr val="tx1"/>
-                </a:solidFill>
-              </a:ln>
-              <a:solidFill>
-                <a:schemeClr val="bg1"/>
-              </a:solidFill>
-            </a:endParaRPr>
-          </a:p>
-        </p:txBody>
-      </p:sp>
-      <p:sp>
-        <p:nvSpPr>
           <p:cNvPr id="3" name="サブタイトル 2"/>
           <p:cNvSpPr>
             <a:spLocks noGrp="1"/>
@@ -4871,7 +4697,12 @@
             <p:ph type="subTitle" idx="1"/>
           </p:nvPr>
         </p:nvSpPr>
-        <p:spPr/>
+        <p:spPr>
+          <a:xfrm>
+            <a:off x="1524000" y="3990975"/>
+            <a:ext cx="9144000" cy="904875"/>
+          </a:xfrm>
+        </p:spPr>
         <p:txBody>
           <a:bodyPr/>
           <a:lstStyle/>
@@ -4952,6 +4783,302 @@
                 </a:solidFill>
               </a:rPr>
               <a:t>.</a:t>
+            </a:r>
+            <a:endParaRPr lang="ja-JP" altLang="en-US" b="1" dirty="0">
+              <a:ln>
+                <a:solidFill>
+                  <a:schemeClr val="tx1"/>
+                </a:solidFill>
+              </a:ln>
+              <a:solidFill>
+                <a:schemeClr val="bg1"/>
+              </a:solidFill>
+            </a:endParaRPr>
+          </a:p>
+        </p:txBody>
+      </p:sp>
+      <p:pic>
+        <p:nvPicPr>
+          <p:cNvPr id="7" name="図 6"/>
+          <p:cNvPicPr>
+            <a:picLocks noChangeAspect="1"/>
+          </p:cNvPicPr>
+          <p:nvPr/>
+        </p:nvPicPr>
+        <p:blipFill rotWithShape="1">
+          <a:blip r:embed="rId4">
+            <a:extLst>
+              <a:ext uri="{28A0092B-C50C-407E-A947-70E740481C1C}">
+                <a14:useLocalDpi xmlns:a14="http://schemas.microsoft.com/office/drawing/2010/main" val="0"/>
+              </a:ext>
+            </a:extLst>
+          </a:blip>
+          <a:srcRect l="8673" t="4791" r="2187" b="37014"/>
+          <a:stretch/>
+        </p:blipFill>
+        <p:spPr>
+          <a:xfrm>
+            <a:off x="661987" y="0"/>
+            <a:ext cx="10868026" cy="3990975"/>
+          </a:xfrm>
+          <a:prstGeom prst="rect">
+            <a:avLst/>
+          </a:prstGeom>
+        </p:spPr>
+      </p:pic>
+      <p:pic>
+        <p:nvPicPr>
+          <p:cNvPr id="9" name="図 8"/>
+          <p:cNvPicPr>
+            <a:picLocks noChangeAspect="1"/>
+          </p:cNvPicPr>
+          <p:nvPr/>
+        </p:nvPicPr>
+        <p:blipFill rotWithShape="1">
+          <a:blip r:embed="rId5">
+            <a:extLst>
+              <a:ext uri="{28A0092B-C50C-407E-A947-70E740481C1C}">
+                <a14:useLocalDpi xmlns:a14="http://schemas.microsoft.com/office/drawing/2010/main" val="0"/>
+              </a:ext>
+            </a:extLst>
+          </a:blip>
+          <a:srcRect l="18531" t="33385" r="16783" b="35846"/>
+          <a:stretch/>
+        </p:blipFill>
+        <p:spPr>
+          <a:xfrm>
+            <a:off x="5143500" y="4818856"/>
+            <a:ext cx="7048500" cy="1885950"/>
+          </a:xfrm>
+          <a:prstGeom prst="rect">
+            <a:avLst/>
+          </a:prstGeom>
+        </p:spPr>
+      </p:pic>
+      <p:sp>
+        <p:nvSpPr>
+          <p:cNvPr id="10" name="サブタイトル 2"/>
+          <p:cNvSpPr txBox="1">
+            <a:spLocks/>
+          </p:cNvSpPr>
+          <p:nvPr/>
+        </p:nvSpPr>
+        <p:spPr>
+          <a:xfrm>
+            <a:off x="10056019" y="4067174"/>
+            <a:ext cx="2085975" cy="904875"/>
+          </a:xfrm>
+          <a:prstGeom prst="rect">
+            <a:avLst/>
+          </a:prstGeom>
+        </p:spPr>
+        <p:txBody>
+          <a:bodyPr vert="horz" lIns="91440" tIns="45720" rIns="91440" bIns="45720" rtlCol="0">
+            <a:normAutofit/>
+          </a:bodyPr>
+          <a:lstStyle>
+            <a:lvl1pPr marL="0" indent="0" algn="ctr" defTabSz="914400" rtl="0" eaLnBrk="1" latinLnBrk="0" hangingPunct="1">
+              <a:lnSpc>
+                <a:spcPct val="90000"/>
+              </a:lnSpc>
+              <a:spcBef>
+                <a:spcPts val="1000"/>
+              </a:spcBef>
+              <a:buFont typeface="Arial" panose="020B0604020202020204" pitchFamily="34" charset="0"/>
+              <a:buNone/>
+              <a:defRPr kumimoji="1" sz="2400" kern="1200">
+                <a:solidFill>
+                  <a:schemeClr val="tx1"/>
+                </a:solidFill>
+                <a:latin typeface="+mn-lt"/>
+                <a:ea typeface="+mn-ea"/>
+                <a:cs typeface="+mn-cs"/>
+              </a:defRPr>
+            </a:lvl1pPr>
+            <a:lvl2pPr marL="457200" indent="0" algn="ctr" defTabSz="914400" rtl="0" eaLnBrk="1" latinLnBrk="0" hangingPunct="1">
+              <a:lnSpc>
+                <a:spcPct val="90000"/>
+              </a:lnSpc>
+              <a:spcBef>
+                <a:spcPts val="500"/>
+              </a:spcBef>
+              <a:buFont typeface="Arial" panose="020B0604020202020204" pitchFamily="34" charset="0"/>
+              <a:buNone/>
+              <a:defRPr kumimoji="1" sz="2000" kern="1200">
+                <a:solidFill>
+                  <a:schemeClr val="tx1"/>
+                </a:solidFill>
+                <a:latin typeface="+mn-lt"/>
+                <a:ea typeface="+mn-ea"/>
+                <a:cs typeface="+mn-cs"/>
+              </a:defRPr>
+            </a:lvl2pPr>
+            <a:lvl3pPr marL="914400" indent="0" algn="ctr" defTabSz="914400" rtl="0" eaLnBrk="1" latinLnBrk="0" hangingPunct="1">
+              <a:lnSpc>
+                <a:spcPct val="90000"/>
+              </a:lnSpc>
+              <a:spcBef>
+                <a:spcPts val="500"/>
+              </a:spcBef>
+              <a:buFont typeface="Arial" panose="020B0604020202020204" pitchFamily="34" charset="0"/>
+              <a:buNone/>
+              <a:defRPr kumimoji="1" sz="1800" kern="1200">
+                <a:solidFill>
+                  <a:schemeClr val="tx1"/>
+                </a:solidFill>
+                <a:latin typeface="+mn-lt"/>
+                <a:ea typeface="+mn-ea"/>
+                <a:cs typeface="+mn-cs"/>
+              </a:defRPr>
+            </a:lvl3pPr>
+            <a:lvl4pPr marL="1371600" indent="0" algn="ctr" defTabSz="914400" rtl="0" eaLnBrk="1" latinLnBrk="0" hangingPunct="1">
+              <a:lnSpc>
+                <a:spcPct val="90000"/>
+              </a:lnSpc>
+              <a:spcBef>
+                <a:spcPts val="500"/>
+              </a:spcBef>
+              <a:buFont typeface="Arial" panose="020B0604020202020204" pitchFamily="34" charset="0"/>
+              <a:buNone/>
+              <a:defRPr kumimoji="1" sz="1600" kern="1200">
+                <a:solidFill>
+                  <a:schemeClr val="tx1"/>
+                </a:solidFill>
+                <a:latin typeface="+mn-lt"/>
+                <a:ea typeface="+mn-ea"/>
+                <a:cs typeface="+mn-cs"/>
+              </a:defRPr>
+            </a:lvl4pPr>
+            <a:lvl5pPr marL="1828800" indent="0" algn="ctr" defTabSz="914400" rtl="0" eaLnBrk="1" latinLnBrk="0" hangingPunct="1">
+              <a:lnSpc>
+                <a:spcPct val="90000"/>
+              </a:lnSpc>
+              <a:spcBef>
+                <a:spcPts val="500"/>
+              </a:spcBef>
+              <a:buFont typeface="Arial" panose="020B0604020202020204" pitchFamily="34" charset="0"/>
+              <a:buNone/>
+              <a:defRPr kumimoji="1" sz="1600" kern="1200">
+                <a:solidFill>
+                  <a:schemeClr val="tx1"/>
+                </a:solidFill>
+                <a:latin typeface="+mn-lt"/>
+                <a:ea typeface="+mn-ea"/>
+                <a:cs typeface="+mn-cs"/>
+              </a:defRPr>
+            </a:lvl5pPr>
+            <a:lvl6pPr marL="2286000" indent="0" algn="ctr" defTabSz="914400" rtl="0" eaLnBrk="1" latinLnBrk="0" hangingPunct="1">
+              <a:lnSpc>
+                <a:spcPct val="90000"/>
+              </a:lnSpc>
+              <a:spcBef>
+                <a:spcPts val="500"/>
+              </a:spcBef>
+              <a:buFont typeface="Arial" panose="020B0604020202020204" pitchFamily="34" charset="0"/>
+              <a:buNone/>
+              <a:defRPr kumimoji="1" sz="1600" kern="1200">
+                <a:solidFill>
+                  <a:schemeClr val="tx1"/>
+                </a:solidFill>
+                <a:latin typeface="+mn-lt"/>
+                <a:ea typeface="+mn-ea"/>
+                <a:cs typeface="+mn-cs"/>
+              </a:defRPr>
+            </a:lvl6pPr>
+            <a:lvl7pPr marL="2743200" indent="0" algn="ctr" defTabSz="914400" rtl="0" eaLnBrk="1" latinLnBrk="0" hangingPunct="1">
+              <a:lnSpc>
+                <a:spcPct val="90000"/>
+              </a:lnSpc>
+              <a:spcBef>
+                <a:spcPts val="500"/>
+              </a:spcBef>
+              <a:buFont typeface="Arial" panose="020B0604020202020204" pitchFamily="34" charset="0"/>
+              <a:buNone/>
+              <a:defRPr kumimoji="1" sz="1600" kern="1200">
+                <a:solidFill>
+                  <a:schemeClr val="tx1"/>
+                </a:solidFill>
+                <a:latin typeface="+mn-lt"/>
+                <a:ea typeface="+mn-ea"/>
+                <a:cs typeface="+mn-cs"/>
+              </a:defRPr>
+            </a:lvl7pPr>
+            <a:lvl8pPr marL="3200400" indent="0" algn="ctr" defTabSz="914400" rtl="0" eaLnBrk="1" latinLnBrk="0" hangingPunct="1">
+              <a:lnSpc>
+                <a:spcPct val="90000"/>
+              </a:lnSpc>
+              <a:spcBef>
+                <a:spcPts val="500"/>
+              </a:spcBef>
+              <a:buFont typeface="Arial" panose="020B0604020202020204" pitchFamily="34" charset="0"/>
+              <a:buNone/>
+              <a:defRPr kumimoji="1" sz="1600" kern="1200">
+                <a:solidFill>
+                  <a:schemeClr val="tx1"/>
+                </a:solidFill>
+                <a:latin typeface="+mn-lt"/>
+                <a:ea typeface="+mn-ea"/>
+                <a:cs typeface="+mn-cs"/>
+              </a:defRPr>
+            </a:lvl8pPr>
+            <a:lvl9pPr marL="3657600" indent="0" algn="ctr" defTabSz="914400" rtl="0" eaLnBrk="1" latinLnBrk="0" hangingPunct="1">
+              <a:lnSpc>
+                <a:spcPct val="90000"/>
+              </a:lnSpc>
+              <a:spcBef>
+                <a:spcPts val="500"/>
+              </a:spcBef>
+              <a:buFont typeface="Arial" panose="020B0604020202020204" pitchFamily="34" charset="0"/>
+              <a:buNone/>
+              <a:defRPr kumimoji="1" sz="1600" kern="1200">
+                <a:solidFill>
+                  <a:schemeClr val="tx1"/>
+                </a:solidFill>
+                <a:latin typeface="+mn-lt"/>
+                <a:ea typeface="+mn-ea"/>
+                <a:cs typeface="+mn-cs"/>
+              </a:defRPr>
+            </a:lvl9pPr>
+          </a:lstStyle>
+          <a:p>
+            <a:r>
+              <a:rPr lang="en-US" altLang="ja-JP" b="1" dirty="0" smtClean="0">
+                <a:ln>
+                  <a:solidFill>
+                    <a:schemeClr val="tx1"/>
+                  </a:solidFill>
+                </a:ln>
+                <a:solidFill>
+                  <a:schemeClr val="bg1"/>
+                </a:solidFill>
+              </a:rPr>
+              <a:t>Team Number</a:t>
+            </a:r>
+            <a:r>
+              <a:rPr lang="ja-JP" altLang="en-US" b="1" dirty="0" smtClean="0">
+                <a:ln>
+                  <a:solidFill>
+                    <a:schemeClr val="tx1"/>
+                  </a:solidFill>
+                </a:ln>
+                <a:solidFill>
+                  <a:schemeClr val="bg1"/>
+                </a:solidFill>
+              </a:rPr>
+              <a:t> </a:t>
+            </a:r>
+            <a:r>
+              <a:rPr lang="en-US" altLang="ja-JP" b="1" dirty="0" smtClean="0">
+                <a:ln>
+                  <a:solidFill>
+                    <a:schemeClr val="tx1"/>
+                  </a:solidFill>
+                </a:ln>
+                <a:solidFill>
+                  <a:schemeClr val="bg1"/>
+                </a:solidFill>
+              </a:rPr>
+              <a:t>6</a:t>
             </a:r>
             <a:endParaRPr lang="ja-JP" altLang="en-US" b="1" dirty="0">
               <a:ln>
@@ -5824,11 +5951,11 @@
   <p:clrMapOvr>
     <a:masterClrMapping/>
   </p:clrMapOvr>
-  <mc:AlternateContent xmlns:mc="http://schemas.openxmlformats.org/markup-compatibility/2006">
-    <mc:Choice xmlns:p14="http://schemas.microsoft.com/office/powerpoint/2010/main" Requires="p14">
+  <mc:AlternateContent xmlns:mc="http://schemas.openxmlformats.org/markup-compatibility/2006" xmlns:p14="http://schemas.microsoft.com/office/powerpoint/2010/main">
+    <mc:Choice Requires="p14">
       <p:transition spd="slow" p14:dur="2000"/>
     </mc:Choice>
-    <mc:Fallback>
+    <mc:Fallback xmlns="">
       <p:transition spd="slow"/>
     </mc:Fallback>
   </mc:AlternateContent>
